--- a/docs/自転車メンテナンス.pptx
+++ b/docs/自転車メンテナンス.pptx
@@ -106,6 +106,11 @@
       </a:defRPr>
     </a:lvl9pPr>
   </p:defaultTextStyle>
+  <p:extLst>
+    <p:ext uri="{EFAFB233-063F-42B5-8137-9DF3F51BA10A}">
+      <p15:sldGuideLst xmlns:p15="http://schemas.microsoft.com/office/powerpoint/2012/main"/>
+    </p:ext>
+  </p:extLst>
 </p:presentation>
 </file>
 
@@ -240,7 +245,7 @@
           <a:p>
             <a:fld id="{DCE47BB5-EBD8-4BFF-A7F1-5F65D17B4D61}" type="datetimeFigureOut">
               <a:rPr kumimoji="1" lang="ja-JP" altLang="en-US" smtClean="0"/>
-              <a:t>2023/5/25</a:t>
+              <a:t>2023/5/27</a:t>
             </a:fld>
             <a:endParaRPr kumimoji="1" lang="ja-JP" altLang="en-US"/>
           </a:p>
@@ -442,7 +447,7 @@
           <a:p>
             <a:fld id="{DCE47BB5-EBD8-4BFF-A7F1-5F65D17B4D61}" type="datetimeFigureOut">
               <a:rPr kumimoji="1" lang="ja-JP" altLang="en-US" smtClean="0"/>
-              <a:t>2023/5/25</a:t>
+              <a:t>2023/5/27</a:t>
             </a:fld>
             <a:endParaRPr kumimoji="1" lang="ja-JP" altLang="en-US"/>
           </a:p>
@@ -654,7 +659,7 @@
           <a:p>
             <a:fld id="{DCE47BB5-EBD8-4BFF-A7F1-5F65D17B4D61}" type="datetimeFigureOut">
               <a:rPr kumimoji="1" lang="ja-JP" altLang="en-US" smtClean="0"/>
-              <a:t>2023/5/25</a:t>
+              <a:t>2023/5/27</a:t>
             </a:fld>
             <a:endParaRPr kumimoji="1" lang="ja-JP" altLang="en-US"/>
           </a:p>
@@ -856,7 +861,7 @@
           <a:p>
             <a:fld id="{DCE47BB5-EBD8-4BFF-A7F1-5F65D17B4D61}" type="datetimeFigureOut">
               <a:rPr kumimoji="1" lang="ja-JP" altLang="en-US" smtClean="0"/>
-              <a:t>2023/5/25</a:t>
+              <a:t>2023/5/27</a:t>
             </a:fld>
             <a:endParaRPr kumimoji="1" lang="ja-JP" altLang="en-US"/>
           </a:p>
@@ -1100,7 +1105,7 @@
           <a:p>
             <a:fld id="{DCE47BB5-EBD8-4BFF-A7F1-5F65D17B4D61}" type="datetimeFigureOut">
               <a:rPr kumimoji="1" lang="ja-JP" altLang="en-US" smtClean="0"/>
-              <a:t>2023/5/25</a:t>
+              <a:t>2023/5/27</a:t>
             </a:fld>
             <a:endParaRPr kumimoji="1" lang="ja-JP" altLang="en-US"/>
           </a:p>
@@ -1396,7 +1401,7 @@
           <a:p>
             <a:fld id="{DCE47BB5-EBD8-4BFF-A7F1-5F65D17B4D61}" type="datetimeFigureOut">
               <a:rPr kumimoji="1" lang="ja-JP" altLang="en-US" smtClean="0"/>
-              <a:t>2023/5/25</a:t>
+              <a:t>2023/5/27</a:t>
             </a:fld>
             <a:endParaRPr kumimoji="1" lang="ja-JP" altLang="en-US"/>
           </a:p>
@@ -1827,7 +1832,7 @@
           <a:p>
             <a:fld id="{DCE47BB5-EBD8-4BFF-A7F1-5F65D17B4D61}" type="datetimeFigureOut">
               <a:rPr kumimoji="1" lang="ja-JP" altLang="en-US" smtClean="0"/>
-              <a:t>2023/5/25</a:t>
+              <a:t>2023/5/27</a:t>
             </a:fld>
             <a:endParaRPr kumimoji="1" lang="ja-JP" altLang="en-US"/>
           </a:p>
@@ -1945,7 +1950,7 @@
           <a:p>
             <a:fld id="{DCE47BB5-EBD8-4BFF-A7F1-5F65D17B4D61}" type="datetimeFigureOut">
               <a:rPr kumimoji="1" lang="ja-JP" altLang="en-US" smtClean="0"/>
-              <a:t>2023/5/25</a:t>
+              <a:t>2023/5/27</a:t>
             </a:fld>
             <a:endParaRPr kumimoji="1" lang="ja-JP" altLang="en-US"/>
           </a:p>
@@ -2040,7 +2045,7 @@
           <a:p>
             <a:fld id="{DCE47BB5-EBD8-4BFF-A7F1-5F65D17B4D61}" type="datetimeFigureOut">
               <a:rPr kumimoji="1" lang="ja-JP" altLang="en-US" smtClean="0"/>
-              <a:t>2023/5/25</a:t>
+              <a:t>2023/5/27</a:t>
             </a:fld>
             <a:endParaRPr kumimoji="1" lang="ja-JP" altLang="en-US"/>
           </a:p>
@@ -2349,7 +2354,7 @@
           <a:p>
             <a:fld id="{DCE47BB5-EBD8-4BFF-A7F1-5F65D17B4D61}" type="datetimeFigureOut">
               <a:rPr kumimoji="1" lang="ja-JP" altLang="en-US" smtClean="0"/>
-              <a:t>2023/5/25</a:t>
+              <a:t>2023/5/27</a:t>
             </a:fld>
             <a:endParaRPr kumimoji="1" lang="ja-JP" altLang="en-US"/>
           </a:p>
@@ -2606,7 +2611,7 @@
           <a:p>
             <a:fld id="{DCE47BB5-EBD8-4BFF-A7F1-5F65D17B4D61}" type="datetimeFigureOut">
               <a:rPr kumimoji="1" lang="ja-JP" altLang="en-US" smtClean="0"/>
-              <a:t>2023/5/25</a:t>
+              <a:t>2023/5/27</a:t>
             </a:fld>
             <a:endParaRPr kumimoji="1" lang="ja-JP" altLang="en-US"/>
           </a:p>
@@ -2851,7 +2856,7 @@
           <a:p>
             <a:fld id="{DCE47BB5-EBD8-4BFF-A7F1-5F65D17B4D61}" type="datetimeFigureOut">
               <a:rPr kumimoji="1" lang="ja-JP" altLang="en-US" smtClean="0"/>
-              <a:t>2023/5/25</a:t>
+              <a:t>2023/5/27</a:t>
             </a:fld>
             <a:endParaRPr kumimoji="1" lang="ja-JP" altLang="en-US"/>
           </a:p>
@@ -3558,10 +3563,7 @@
             <a:avLst/>
           </a:prstGeom>
           <a:solidFill>
-            <a:schemeClr val="tx1">
-              <a:lumMod val="85000"/>
-              <a:lumOff val="15000"/>
-            </a:schemeClr>
+            <a:srgbClr val="0000FF"/>
           </a:solidFill>
           <a:ln>
             <a:noFill/>
@@ -3621,7 +3623,7 @@
           <a:lstStyle/>
           <a:p>
             <a:r>
-              <a:rPr kumimoji="1" lang="ja-JP" altLang="en-US" dirty="0">
+              <a:rPr kumimoji="1" lang="ja-JP" altLang="en-US" b="1" dirty="0">
                 <a:solidFill>
                   <a:schemeClr val="bg1"/>
                 </a:solidFill>
@@ -3646,7 +3648,7 @@
         <p:spPr>
           <a:xfrm>
             <a:off x="8735859" y="395196"/>
-            <a:ext cx="561244" cy="369332"/>
+            <a:ext cx="571182" cy="369332"/>
           </a:xfrm>
           <a:prstGeom prst="rect">
             <a:avLst/>
@@ -3660,14 +3662,14 @@
           <a:lstStyle/>
           <a:p>
             <a:r>
-              <a:rPr kumimoji="1" lang="en-US" altLang="ja-JP" dirty="0">
+              <a:rPr kumimoji="1" lang="en-US" altLang="ja-JP" b="1" u="sng" dirty="0">
                 <a:solidFill>
                   <a:schemeClr val="bg1"/>
                 </a:solidFill>
               </a:rPr>
               <a:t>TOP</a:t>
             </a:r>
-            <a:endParaRPr kumimoji="1" lang="ja-JP" altLang="en-US" dirty="0">
+            <a:endParaRPr kumimoji="1" lang="ja-JP" altLang="en-US" b="1" u="sng" dirty="0">
               <a:solidFill>
                 <a:schemeClr val="bg1"/>
               </a:solidFill>
@@ -3704,7 +3706,7 @@
           <a:lstStyle/>
           <a:p>
             <a:r>
-              <a:rPr kumimoji="1" lang="ja-JP" altLang="en-US" dirty="0">
+              <a:rPr kumimoji="1" lang="ja-JP" altLang="en-US" b="1" u="sng" dirty="0">
                 <a:solidFill>
                   <a:schemeClr val="bg1"/>
                 </a:solidFill>
@@ -3743,7 +3745,7 @@
           <a:lstStyle/>
           <a:p>
             <a:r>
-              <a:rPr kumimoji="1" lang="ja-JP" altLang="en-US" dirty="0">
+              <a:rPr kumimoji="1" lang="ja-JP" altLang="en-US" b="1" u="sng" dirty="0">
                 <a:solidFill>
                   <a:schemeClr val="bg1"/>
                 </a:solidFill>
@@ -3783,42 +3785,6 @@
           <a:chExt cx="0" cy="0"/>
         </a:xfrm>
       </p:grpSpPr>
-      <p:pic>
-        <p:nvPicPr>
-          <p:cNvPr id="13" name="図 12" descr="背景パターン&#10;&#10;自動的に生成された説明">
-            <a:extLst>
-              <a:ext uri="{FF2B5EF4-FFF2-40B4-BE49-F238E27FC236}">
-                <a16:creationId xmlns:a16="http://schemas.microsoft.com/office/drawing/2014/main" id="{FC1C1A1A-588E-E42C-C2AA-22F540560FC4}"/>
-              </a:ext>
-            </a:extLst>
-          </p:cNvPr>
-          <p:cNvPicPr>
-            <a:picLocks noChangeAspect="1"/>
-          </p:cNvPicPr>
-          <p:nvPr/>
-        </p:nvPicPr>
-        <p:blipFill>
-          <a:blip r:embed="rId2">
-            <a:extLst>
-              <a:ext uri="{28A0092B-C50C-407E-A947-70E740481C1C}">
-                <a14:useLocalDpi xmlns:a14="http://schemas.microsoft.com/office/drawing/2010/main" val="0"/>
-              </a:ext>
-            </a:extLst>
-          </a:blip>
-          <a:stretch>
-            <a:fillRect/>
-          </a:stretch>
-        </p:blipFill>
-        <p:spPr>
-          <a:xfrm>
-            <a:off x="4012578" y="1719632"/>
-            <a:ext cx="4289505" cy="2622294"/>
-          </a:xfrm>
-          <a:prstGeom prst="rect">
-            <a:avLst/>
-          </a:prstGeom>
-        </p:spPr>
-      </p:pic>
       <p:sp>
         <p:nvSpPr>
           <p:cNvPr id="14" name="正方形/長方形 13">
@@ -3828,7 +3794,9 @@
               </a:ext>
             </a:extLst>
           </p:cNvPr>
-          <p:cNvSpPr/>
+          <p:cNvSpPr>
+            <a:spLocks noGrp="1" noRot="1" noMove="1" noResize="1" noEditPoints="1" noAdjustHandles="1" noChangeArrowheads="1" noChangeShapeType="1"/>
+          </p:cNvSpPr>
           <p:nvPr/>
         </p:nvSpPr>
         <p:spPr>
@@ -3840,10 +3808,7 @@
             <a:avLst/>
           </a:prstGeom>
           <a:solidFill>
-            <a:schemeClr val="tx1">
-              <a:lumMod val="85000"/>
-              <a:lumOff val="15000"/>
-            </a:schemeClr>
+            <a:srgbClr val="0000FF"/>
           </a:solidFill>
           <a:ln>
             <a:noFill/>
@@ -3903,7 +3868,7 @@
           <a:lstStyle/>
           <a:p>
             <a:r>
-              <a:rPr kumimoji="1" lang="ja-JP" altLang="en-US" dirty="0">
+              <a:rPr kumimoji="1" lang="ja-JP" altLang="en-US" b="1" dirty="0">
                 <a:solidFill>
                   <a:schemeClr val="bg1"/>
                 </a:solidFill>
@@ -3928,7 +3893,7 @@
         <p:spPr>
           <a:xfrm>
             <a:off x="8735859" y="395196"/>
-            <a:ext cx="561244" cy="369332"/>
+            <a:ext cx="571182" cy="369332"/>
           </a:xfrm>
           <a:prstGeom prst="rect">
             <a:avLst/>
@@ -3942,14 +3907,14 @@
           <a:lstStyle/>
           <a:p>
             <a:r>
-              <a:rPr kumimoji="1" lang="en-US" altLang="ja-JP" dirty="0">
+              <a:rPr kumimoji="1" lang="en-US" altLang="ja-JP" b="1" u="sng" dirty="0">
                 <a:solidFill>
                   <a:schemeClr val="bg1"/>
                 </a:solidFill>
               </a:rPr>
               <a:t>TOP</a:t>
             </a:r>
-            <a:endParaRPr kumimoji="1" lang="ja-JP" altLang="en-US" dirty="0">
+            <a:endParaRPr kumimoji="1" lang="ja-JP" altLang="en-US" b="1" u="sng" dirty="0">
               <a:solidFill>
                 <a:schemeClr val="bg1"/>
               </a:solidFill>
@@ -3986,7 +3951,7 @@
           <a:lstStyle/>
           <a:p>
             <a:r>
-              <a:rPr kumimoji="1" lang="ja-JP" altLang="en-US" dirty="0">
+              <a:rPr kumimoji="1" lang="ja-JP" altLang="en-US" b="1" u="sng" dirty="0">
                 <a:solidFill>
                   <a:schemeClr val="bg1"/>
                 </a:solidFill>
@@ -4025,7 +3990,7 @@
           <a:lstStyle/>
           <a:p>
             <a:r>
-              <a:rPr kumimoji="1" lang="ja-JP" altLang="en-US" dirty="0">
+              <a:rPr kumimoji="1" lang="ja-JP" altLang="en-US" b="1" u="sng" dirty="0">
                 <a:solidFill>
                   <a:schemeClr val="bg1"/>
                 </a:solidFill>
@@ -4050,20 +4015,20 @@
           <p:nvPr>
             <p:extLst>
               <p:ext uri="{D42A27DB-BD31-4B8C-83A1-F6EECF244321}">
-                <p14:modId xmlns:p14="http://schemas.microsoft.com/office/powerpoint/2010/main" val="4195562099"/>
+                <p14:modId xmlns:p14="http://schemas.microsoft.com/office/powerpoint/2010/main" val="324270523"/>
               </p:ext>
             </p:extLst>
           </p:nvPr>
         </p:nvGraphicFramePr>
         <p:xfrm>
-          <a:off x="256478" y="5039111"/>
-          <a:ext cx="12355552" cy="4339287"/>
+          <a:off x="323590" y="5039111"/>
+          <a:ext cx="12338368" cy="4339287"/>
         </p:xfrm>
         <a:graphic>
           <a:graphicData uri="http://schemas.openxmlformats.org/drawingml/2006/table">
             <a:tbl>
               <a:tblPr firstRow="1" bandRow="1">
-                <a:tableStyleId>{5C22544A-7EE6-4342-B048-85BDC9FD1C3A}</a:tableStyleId>
+                <a:tableStyleId>{7DF18680-E054-41AD-8BC1-D1AEF772440D}</a:tableStyleId>
               </a:tblPr>
               <a:tblGrid>
                 <a:gridCol w="1235114">
@@ -4073,7 +4038,7 @@
                     </a:ext>
                   </a:extLst>
                 </a:gridCol>
-                <a:gridCol w="1235114">
+                <a:gridCol w="1217930">
                   <a:extLst>
                     <a:ext uri="{9D8B030D-6E8A-4147-A177-3AD203B41FA5}">
                       <a16:colId xmlns:a16="http://schemas.microsoft.com/office/drawing/2014/main" val="3735560377"/>
@@ -4647,6 +4612,89 @@
           </a:graphicData>
         </a:graphic>
       </p:graphicFrame>
+      <p:pic>
+        <p:nvPicPr>
+          <p:cNvPr id="3" name="図 2" descr="背景パターン&#10;&#10;自動的に生成された説明">
+            <a:extLst>
+              <a:ext uri="{FF2B5EF4-FFF2-40B4-BE49-F238E27FC236}">
+                <a16:creationId xmlns:a16="http://schemas.microsoft.com/office/drawing/2014/main" id="{FD99CEB4-3882-BD48-0BEC-A90FB8685DBF}"/>
+              </a:ext>
+            </a:extLst>
+          </p:cNvPr>
+          <p:cNvPicPr>
+            <a:picLocks noChangeAspect="1"/>
+          </p:cNvPicPr>
+          <p:nvPr/>
+        </p:nvPicPr>
+        <p:blipFill>
+          <a:blip r:embed="rId2">
+            <a:extLst>
+              <a:ext uri="{28A0092B-C50C-407E-A947-70E740481C1C}">
+                <a14:useLocalDpi xmlns:a14="http://schemas.microsoft.com/office/drawing/2010/main" val="0"/>
+              </a:ext>
+            </a:extLst>
+          </a:blip>
+          <a:stretch>
+            <a:fillRect/>
+          </a:stretch>
+        </p:blipFill>
+        <p:spPr>
+          <a:xfrm>
+            <a:off x="4256047" y="1728022"/>
+            <a:ext cx="4289505" cy="2622294"/>
+          </a:xfrm>
+          <a:prstGeom prst="rect">
+            <a:avLst/>
+          </a:prstGeom>
+        </p:spPr>
+      </p:pic>
+      <p:pic>
+        <p:nvPicPr>
+          <p:cNvPr id="1026" name="Picture 2" descr="ロードバイクのイラスト（自転車）">
+            <a:extLst>
+              <a:ext uri="{FF2B5EF4-FFF2-40B4-BE49-F238E27FC236}">
+                <a16:creationId xmlns:a16="http://schemas.microsoft.com/office/drawing/2014/main" id="{626D65FF-B018-7136-87E7-C918A87F2A9E}"/>
+              </a:ext>
+            </a:extLst>
+          </p:cNvPr>
+          <p:cNvPicPr>
+            <a:picLocks noChangeAspect="1" noChangeArrowheads="1"/>
+          </p:cNvPicPr>
+          <p:nvPr/>
+        </p:nvPicPr>
+        <p:blipFill>
+          <a:blip r:embed="rId3">
+            <a:extLst>
+              <a:ext uri="{28A0092B-C50C-407E-A947-70E740481C1C}">
+                <a14:useLocalDpi xmlns:a14="http://schemas.microsoft.com/office/drawing/2010/main" val="0"/>
+              </a:ext>
+            </a:extLst>
+          </a:blip>
+          <a:srcRect/>
+          <a:stretch>
+            <a:fillRect/>
+          </a:stretch>
+        </p:blipFill>
+        <p:spPr bwMode="auto">
+          <a:xfrm>
+            <a:off x="89712" y="1348120"/>
+            <a:ext cx="4286250" cy="3181350"/>
+          </a:xfrm>
+          <a:prstGeom prst="rect">
+            <a:avLst/>
+          </a:prstGeom>
+          <a:noFill/>
+          <a:extLst>
+            <a:ext uri="{909E8E84-426E-40DD-AFC4-6F175D3DCCD1}">
+              <a14:hiddenFill xmlns:a14="http://schemas.microsoft.com/office/drawing/2010/main">
+                <a:solidFill>
+                  <a:srgbClr val="FFFFFF"/>
+                </a:solidFill>
+              </a14:hiddenFill>
+            </a:ext>
+          </a:extLst>
+        </p:spPr>
+      </p:pic>
     </p:spTree>
     <p:extLst>
       <p:ext uri="{BB962C8B-B14F-4D97-AF65-F5344CB8AC3E}">
